--- a/Универсальный калькулятор.pptx
+++ b/Универсальный калькулятор.pptx
@@ -173,7 +173,7 @@
           </a:lstStyle>
           <a:p>
             <a:r>
-              <a:rPr lang="ru-RU" smtClean="0"/>
+              <a:rPr lang="ru-RU"/>
               <a:t>Образец заголовка</a:t>
             </a:r>
             <a:endParaRPr lang="en-US" dirty="0"/>
@@ -244,7 +244,7 @@
           </a:lstStyle>
           <a:p>
             <a:r>
-              <a:rPr lang="ru-RU" smtClean="0"/>
+              <a:rPr lang="ru-RU"/>
               <a:t>Образец подзаголовка</a:t>
             </a:r>
             <a:endParaRPr lang="en-US" dirty="0"/>
@@ -268,7 +268,7 @@
           <a:p>
             <a:fld id="{48A87A34-81AB-432B-8DAE-1953F412C126}" type="datetimeFigureOut">
               <a:rPr lang="en-US" dirty="0"/>
-              <a:t>1/19/2019</a:t>
+              <a:t>1/26/2019</a:t>
             </a:fld>
             <a:endParaRPr lang="en-US" dirty="0"/>
           </a:p>
@@ -398,7 +398,7 @@
           <a:lstStyle/>
           <a:p>
             <a:r>
-              <a:rPr lang="ru-RU" smtClean="0"/>
+              <a:rPr lang="ru-RU"/>
               <a:t>Образец заголовка</a:t>
             </a:r>
             <a:endParaRPr lang="en-US" dirty="0"/>
@@ -422,35 +422,35 @@
           <a:p>
             <a:pPr lvl="0"/>
             <a:r>
-              <a:rPr lang="ru-RU" smtClean="0"/>
+              <a:rPr lang="ru-RU"/>
               <a:t>Образец текста</a:t>
             </a:r>
           </a:p>
           <a:p>
             <a:pPr lvl="1"/>
             <a:r>
-              <a:rPr lang="ru-RU" smtClean="0"/>
+              <a:rPr lang="ru-RU"/>
               <a:t>Второй уровень</a:t>
             </a:r>
           </a:p>
           <a:p>
             <a:pPr lvl="2"/>
             <a:r>
-              <a:rPr lang="ru-RU" smtClean="0"/>
+              <a:rPr lang="ru-RU"/>
               <a:t>Третий уровень</a:t>
             </a:r>
           </a:p>
           <a:p>
             <a:pPr lvl="3"/>
             <a:r>
-              <a:rPr lang="ru-RU" smtClean="0"/>
+              <a:rPr lang="ru-RU"/>
               <a:t>Четвертый уровень</a:t>
             </a:r>
           </a:p>
           <a:p>
             <a:pPr lvl="4"/>
             <a:r>
-              <a:rPr lang="ru-RU" smtClean="0"/>
+              <a:rPr lang="ru-RU"/>
               <a:t>Пятый уровень</a:t>
             </a:r>
             <a:endParaRPr lang="en-US" dirty="0"/>
@@ -474,7 +474,7 @@
           <a:p>
             <a:fld id="{48A87A34-81AB-432B-8DAE-1953F412C126}" type="datetimeFigureOut">
               <a:rPr lang="en-US" dirty="0"/>
-              <a:t>1/19/2019</a:t>
+              <a:t>1/26/2019</a:t>
             </a:fld>
             <a:endParaRPr lang="en-US" dirty="0"/>
           </a:p>
@@ -603,7 +603,7 @@
           </a:lstStyle>
           <a:p>
             <a:r>
-              <a:rPr lang="ru-RU" smtClean="0"/>
+              <a:rPr lang="ru-RU"/>
               <a:t>Образец заголовка</a:t>
             </a:r>
             <a:endParaRPr lang="en-US" dirty="0"/>
@@ -632,35 +632,35 @@
           <a:p>
             <a:pPr lvl="0"/>
             <a:r>
-              <a:rPr lang="ru-RU" smtClean="0"/>
+              <a:rPr lang="ru-RU"/>
               <a:t>Образец текста</a:t>
             </a:r>
           </a:p>
           <a:p>
             <a:pPr lvl="1"/>
             <a:r>
-              <a:rPr lang="ru-RU" smtClean="0"/>
+              <a:rPr lang="ru-RU"/>
               <a:t>Второй уровень</a:t>
             </a:r>
           </a:p>
           <a:p>
             <a:pPr lvl="2"/>
             <a:r>
-              <a:rPr lang="ru-RU" smtClean="0"/>
+              <a:rPr lang="ru-RU"/>
               <a:t>Третий уровень</a:t>
             </a:r>
           </a:p>
           <a:p>
             <a:pPr lvl="3"/>
             <a:r>
-              <a:rPr lang="ru-RU" smtClean="0"/>
+              <a:rPr lang="ru-RU"/>
               <a:t>Четвертый уровень</a:t>
             </a:r>
           </a:p>
           <a:p>
             <a:pPr lvl="4"/>
             <a:r>
-              <a:rPr lang="ru-RU" smtClean="0"/>
+              <a:rPr lang="ru-RU"/>
               <a:t>Пятый уровень</a:t>
             </a:r>
             <a:endParaRPr lang="en-US" dirty="0"/>
@@ -684,7 +684,7 @@
           <a:p>
             <a:fld id="{48A87A34-81AB-432B-8DAE-1953F412C126}" type="datetimeFigureOut">
               <a:rPr lang="en-US" dirty="0"/>
-              <a:t>1/19/2019</a:t>
+              <a:t>1/26/2019</a:t>
             </a:fld>
             <a:endParaRPr lang="en-US" dirty="0"/>
           </a:p>
@@ -804,7 +804,7 @@
           <a:lstStyle/>
           <a:p>
             <a:r>
-              <a:rPr lang="ru-RU" smtClean="0"/>
+              <a:rPr lang="ru-RU"/>
               <a:t>Образец заголовка</a:t>
             </a:r>
             <a:endParaRPr lang="en-US" dirty="0"/>
@@ -828,35 +828,35 @@
           <a:p>
             <a:pPr lvl="0"/>
             <a:r>
-              <a:rPr lang="ru-RU" smtClean="0"/>
+              <a:rPr lang="ru-RU"/>
               <a:t>Образец текста</a:t>
             </a:r>
           </a:p>
           <a:p>
             <a:pPr lvl="1"/>
             <a:r>
-              <a:rPr lang="ru-RU" smtClean="0"/>
+              <a:rPr lang="ru-RU"/>
               <a:t>Второй уровень</a:t>
             </a:r>
           </a:p>
           <a:p>
             <a:pPr lvl="2"/>
             <a:r>
-              <a:rPr lang="ru-RU" smtClean="0"/>
+              <a:rPr lang="ru-RU"/>
               <a:t>Третий уровень</a:t>
             </a:r>
           </a:p>
           <a:p>
             <a:pPr lvl="3"/>
             <a:r>
-              <a:rPr lang="ru-RU" smtClean="0"/>
+              <a:rPr lang="ru-RU"/>
               <a:t>Четвертый уровень</a:t>
             </a:r>
           </a:p>
           <a:p>
             <a:pPr lvl="4"/>
             <a:r>
-              <a:rPr lang="ru-RU" smtClean="0"/>
+              <a:rPr lang="ru-RU"/>
               <a:t>Пятый уровень</a:t>
             </a:r>
             <a:endParaRPr lang="en-US" dirty="0"/>
@@ -880,7 +880,7 @@
           <a:p>
             <a:fld id="{48A87A34-81AB-432B-8DAE-1953F412C126}" type="datetimeFigureOut">
               <a:rPr lang="en-US" dirty="0"/>
-              <a:t>1/19/2019</a:t>
+              <a:t>1/26/2019</a:t>
             </a:fld>
             <a:endParaRPr lang="en-US" dirty="0"/>
           </a:p>
@@ -1011,7 +1011,7 @@
           </a:lstStyle>
           <a:p>
             <a:r>
-              <a:rPr lang="ru-RU" smtClean="0"/>
+              <a:rPr lang="ru-RU"/>
               <a:t>Образец заголовка</a:t>
             </a:r>
             <a:endParaRPr lang="en-US" dirty="0"/>
@@ -1131,7 +1131,7 @@
           <a:p>
             <a:pPr lvl="0"/>
             <a:r>
-              <a:rPr lang="ru-RU" smtClean="0"/>
+              <a:rPr lang="ru-RU"/>
               <a:t>Образец текста</a:t>
             </a:r>
           </a:p>
@@ -1154,7 +1154,7 @@
           <a:p>
             <a:fld id="{48A87A34-81AB-432B-8DAE-1953F412C126}" type="datetimeFigureOut">
               <a:rPr lang="en-US" dirty="0"/>
-              <a:t>1/19/2019</a:t>
+              <a:t>1/26/2019</a:t>
             </a:fld>
             <a:endParaRPr lang="en-US" dirty="0"/>
           </a:p>
@@ -1279,7 +1279,7 @@
           <a:lstStyle/>
           <a:p>
             <a:r>
-              <a:rPr lang="ru-RU" smtClean="0"/>
+              <a:rPr lang="ru-RU"/>
               <a:t>Образец заголовка</a:t>
             </a:r>
             <a:endParaRPr lang="en-US" dirty="0"/>
@@ -1308,35 +1308,35 @@
           <a:p>
             <a:pPr lvl="0"/>
             <a:r>
-              <a:rPr lang="ru-RU" smtClean="0"/>
+              <a:rPr lang="ru-RU"/>
               <a:t>Образец текста</a:t>
             </a:r>
           </a:p>
           <a:p>
             <a:pPr lvl="1"/>
             <a:r>
-              <a:rPr lang="ru-RU" smtClean="0"/>
+              <a:rPr lang="ru-RU"/>
               <a:t>Второй уровень</a:t>
             </a:r>
           </a:p>
           <a:p>
             <a:pPr lvl="2"/>
             <a:r>
-              <a:rPr lang="ru-RU" smtClean="0"/>
+              <a:rPr lang="ru-RU"/>
               <a:t>Третий уровень</a:t>
             </a:r>
           </a:p>
           <a:p>
             <a:pPr lvl="3"/>
             <a:r>
-              <a:rPr lang="ru-RU" smtClean="0"/>
+              <a:rPr lang="ru-RU"/>
               <a:t>Четвертый уровень</a:t>
             </a:r>
           </a:p>
           <a:p>
             <a:pPr lvl="4"/>
             <a:r>
-              <a:rPr lang="ru-RU" smtClean="0"/>
+              <a:rPr lang="ru-RU"/>
               <a:t>Пятый уровень</a:t>
             </a:r>
             <a:endParaRPr lang="en-US" dirty="0"/>
@@ -1365,35 +1365,35 @@
           <a:p>
             <a:pPr lvl="0"/>
             <a:r>
-              <a:rPr lang="ru-RU" smtClean="0"/>
+              <a:rPr lang="ru-RU"/>
               <a:t>Образец текста</a:t>
             </a:r>
           </a:p>
           <a:p>
             <a:pPr lvl="1"/>
             <a:r>
-              <a:rPr lang="ru-RU" smtClean="0"/>
+              <a:rPr lang="ru-RU"/>
               <a:t>Второй уровень</a:t>
             </a:r>
           </a:p>
           <a:p>
             <a:pPr lvl="2"/>
             <a:r>
-              <a:rPr lang="ru-RU" smtClean="0"/>
+              <a:rPr lang="ru-RU"/>
               <a:t>Третий уровень</a:t>
             </a:r>
           </a:p>
           <a:p>
             <a:pPr lvl="3"/>
             <a:r>
-              <a:rPr lang="ru-RU" smtClean="0"/>
+              <a:rPr lang="ru-RU"/>
               <a:t>Четвертый уровень</a:t>
             </a:r>
           </a:p>
           <a:p>
             <a:pPr lvl="4"/>
             <a:r>
-              <a:rPr lang="ru-RU" smtClean="0"/>
+              <a:rPr lang="ru-RU"/>
               <a:t>Пятый уровень</a:t>
             </a:r>
             <a:endParaRPr lang="en-US" dirty="0"/>
@@ -1417,7 +1417,7 @@
           <a:p>
             <a:fld id="{48A87A34-81AB-432B-8DAE-1953F412C126}" type="datetimeFigureOut">
               <a:rPr lang="en-US" dirty="0"/>
-              <a:t>1/19/2019</a:t>
+              <a:t>1/26/2019</a:t>
             </a:fld>
             <a:endParaRPr lang="en-US" dirty="0"/>
           </a:p>
@@ -1542,7 +1542,7 @@
           <a:lstStyle/>
           <a:p>
             <a:r>
-              <a:rPr lang="ru-RU" smtClean="0"/>
+              <a:rPr lang="ru-RU"/>
               <a:t>Образец заголовка</a:t>
             </a:r>
             <a:endParaRPr lang="en-US" dirty="0"/>
@@ -1617,7 +1617,7 @@
           <a:p>
             <a:pPr lvl="0"/>
             <a:r>
-              <a:rPr lang="ru-RU" smtClean="0"/>
+              <a:rPr lang="ru-RU"/>
               <a:t>Образец текста</a:t>
             </a:r>
           </a:p>
@@ -1645,35 +1645,35 @@
           <a:p>
             <a:pPr lvl="0"/>
             <a:r>
-              <a:rPr lang="ru-RU" smtClean="0"/>
+              <a:rPr lang="ru-RU"/>
               <a:t>Образец текста</a:t>
             </a:r>
           </a:p>
           <a:p>
             <a:pPr lvl="1"/>
             <a:r>
-              <a:rPr lang="ru-RU" smtClean="0"/>
+              <a:rPr lang="ru-RU"/>
               <a:t>Второй уровень</a:t>
             </a:r>
           </a:p>
           <a:p>
             <a:pPr lvl="2"/>
             <a:r>
-              <a:rPr lang="ru-RU" smtClean="0"/>
+              <a:rPr lang="ru-RU"/>
               <a:t>Третий уровень</a:t>
             </a:r>
           </a:p>
           <a:p>
             <a:pPr lvl="3"/>
             <a:r>
-              <a:rPr lang="ru-RU" smtClean="0"/>
+              <a:rPr lang="ru-RU"/>
               <a:t>Четвертый уровень</a:t>
             </a:r>
           </a:p>
           <a:p>
             <a:pPr lvl="4"/>
             <a:r>
-              <a:rPr lang="ru-RU" smtClean="0"/>
+              <a:rPr lang="ru-RU"/>
               <a:t>Пятый уровень</a:t>
             </a:r>
             <a:endParaRPr lang="en-US" dirty="0"/>
@@ -1748,7 +1748,7 @@
           <a:p>
             <a:pPr lvl="0"/>
             <a:r>
-              <a:rPr lang="ru-RU" smtClean="0"/>
+              <a:rPr lang="ru-RU"/>
               <a:t>Образец текста</a:t>
             </a:r>
           </a:p>
@@ -1776,35 +1776,35 @@
           <a:p>
             <a:pPr lvl="0"/>
             <a:r>
-              <a:rPr lang="ru-RU" smtClean="0"/>
+              <a:rPr lang="ru-RU"/>
               <a:t>Образец текста</a:t>
             </a:r>
           </a:p>
           <a:p>
             <a:pPr lvl="1"/>
             <a:r>
-              <a:rPr lang="ru-RU" smtClean="0"/>
+              <a:rPr lang="ru-RU"/>
               <a:t>Второй уровень</a:t>
             </a:r>
           </a:p>
           <a:p>
             <a:pPr lvl="2"/>
             <a:r>
-              <a:rPr lang="ru-RU" smtClean="0"/>
+              <a:rPr lang="ru-RU"/>
               <a:t>Третий уровень</a:t>
             </a:r>
           </a:p>
           <a:p>
             <a:pPr lvl="3"/>
             <a:r>
-              <a:rPr lang="ru-RU" smtClean="0"/>
+              <a:rPr lang="ru-RU"/>
               <a:t>Четвертый уровень</a:t>
             </a:r>
           </a:p>
           <a:p>
             <a:pPr lvl="4"/>
             <a:r>
-              <a:rPr lang="ru-RU" smtClean="0"/>
+              <a:rPr lang="ru-RU"/>
               <a:t>Пятый уровень</a:t>
             </a:r>
             <a:endParaRPr lang="en-US" dirty="0"/>
@@ -1828,7 +1828,7 @@
           <a:p>
             <a:fld id="{48A87A34-81AB-432B-8DAE-1953F412C126}" type="datetimeFigureOut">
               <a:rPr lang="en-US" dirty="0"/>
-              <a:t>1/19/2019</a:t>
+              <a:t>1/26/2019</a:t>
             </a:fld>
             <a:endParaRPr lang="en-US" dirty="0"/>
           </a:p>
@@ -1948,7 +1948,7 @@
           <a:lstStyle/>
           <a:p>
             <a:r>
-              <a:rPr lang="ru-RU" smtClean="0"/>
+              <a:rPr lang="ru-RU"/>
               <a:t>Образец заголовка</a:t>
             </a:r>
             <a:endParaRPr lang="en-US" dirty="0"/>
@@ -1972,7 +1972,7 @@
           <a:p>
             <a:fld id="{48A87A34-81AB-432B-8DAE-1953F412C126}" type="datetimeFigureOut">
               <a:rPr lang="en-US" dirty="0"/>
-              <a:t>1/19/2019</a:t>
+              <a:t>1/26/2019</a:t>
             </a:fld>
             <a:endParaRPr lang="en-US" dirty="0"/>
           </a:p>
@@ -2093,7 +2093,7 @@
           <a:p>
             <a:fld id="{48A87A34-81AB-432B-8DAE-1953F412C126}" type="datetimeFigureOut">
               <a:rPr lang="en-US" dirty="0"/>
-              <a:t>1/19/2019</a:t>
+              <a:t>1/26/2019</a:t>
             </a:fld>
             <a:endParaRPr lang="en-US" dirty="0"/>
           </a:p>
@@ -2193,7 +2193,7 @@
           </a:lstStyle>
           <a:p>
             <a:r>
-              <a:rPr lang="ru-RU" smtClean="0"/>
+              <a:rPr lang="ru-RU"/>
               <a:t>Образец заголовка</a:t>
             </a:r>
             <a:endParaRPr lang="en-US" dirty="0"/>
@@ -2222,35 +2222,35 @@
           <a:p>
             <a:pPr lvl="0"/>
             <a:r>
-              <a:rPr lang="ru-RU" smtClean="0"/>
+              <a:rPr lang="ru-RU"/>
               <a:t>Образец текста</a:t>
             </a:r>
           </a:p>
           <a:p>
             <a:pPr lvl="1"/>
             <a:r>
-              <a:rPr lang="ru-RU" smtClean="0"/>
+              <a:rPr lang="ru-RU"/>
               <a:t>Второй уровень</a:t>
             </a:r>
           </a:p>
           <a:p>
             <a:pPr lvl="2"/>
             <a:r>
-              <a:rPr lang="ru-RU" smtClean="0"/>
+              <a:rPr lang="ru-RU"/>
               <a:t>Третий уровень</a:t>
             </a:r>
           </a:p>
           <a:p>
             <a:pPr lvl="3"/>
             <a:r>
-              <a:rPr lang="ru-RU" smtClean="0"/>
+              <a:rPr lang="ru-RU"/>
               <a:t>Четвертый уровень</a:t>
             </a:r>
           </a:p>
           <a:p>
             <a:pPr lvl="4"/>
             <a:r>
-              <a:rPr lang="ru-RU" smtClean="0"/>
+              <a:rPr lang="ru-RU"/>
               <a:t>Пятый уровень</a:t>
             </a:r>
             <a:endParaRPr lang="en-US" dirty="0"/>
@@ -2316,7 +2316,7 @@
           <a:p>
             <a:pPr lvl="0"/>
             <a:r>
-              <a:rPr lang="ru-RU" smtClean="0"/>
+              <a:rPr lang="ru-RU"/>
               <a:t>Образец текста</a:t>
             </a:r>
           </a:p>
@@ -2339,7 +2339,7 @@
           <a:p>
             <a:fld id="{48A87A34-81AB-432B-8DAE-1953F412C126}" type="datetimeFigureOut">
               <a:rPr lang="en-US" dirty="0"/>
-              <a:t>1/19/2019</a:t>
+              <a:t>1/26/2019</a:t>
             </a:fld>
             <a:endParaRPr lang="en-US" dirty="0"/>
           </a:p>
@@ -2604,7 +2604,7 @@
           </a:lstStyle>
           <a:p>
             <a:r>
-              <a:rPr lang="ru-RU" smtClean="0"/>
+              <a:rPr lang="ru-RU"/>
               <a:t>Образец заголовка</a:t>
             </a:r>
             <a:endParaRPr lang="en-US" dirty="0"/>
@@ -2679,7 +2679,7 @@
           </a:lstStyle>
           <a:p>
             <a:r>
-              <a:rPr lang="ru-RU" dirty="0" smtClean="0"/>
+              <a:rPr lang="ru-RU" dirty="0"/>
               <a:t>Вставка рисунка</a:t>
             </a:r>
             <a:endParaRPr lang="en-US" dirty="0"/>
@@ -2747,7 +2747,7 @@
           <a:p>
             <a:pPr lvl="0"/>
             <a:r>
-              <a:rPr lang="ru-RU" smtClean="0"/>
+              <a:rPr lang="ru-RU"/>
               <a:t>Образец текста</a:t>
             </a:r>
           </a:p>
@@ -2780,7 +2780,7 @@
             <a:fld id="{48A87A34-81AB-432B-8DAE-1953F412C126}" type="datetimeFigureOut">
               <a:rPr lang="en-US" dirty="0"/>
               <a:pPr/>
-              <a:t>1/19/2019</a:t>
+              <a:t>1/26/2019</a:t>
             </a:fld>
             <a:endParaRPr lang="en-US" dirty="0"/>
           </a:p>
@@ -2998,7 +2998,7 @@
           <a:lstStyle/>
           <a:p>
             <a:r>
-              <a:rPr lang="ru-RU" smtClean="0"/>
+              <a:rPr lang="ru-RU"/>
               <a:t>Образец заголовка</a:t>
             </a:r>
             <a:endParaRPr lang="en-US" dirty="0"/>
@@ -3102,7 +3102,7 @@
             <a:fld id="{48A87A34-81AB-432B-8DAE-1953F412C126}" type="datetimeFigureOut">
               <a:rPr lang="en-US" dirty="0"/>
               <a:pPr/>
-              <a:t>1/19/2019</a:t>
+              <a:t>1/26/2019</a:t>
             </a:fld>
             <a:endParaRPr lang="en-US" dirty="0"/>
           </a:p>
@@ -3600,10 +3600,9 @@
           <a:lstStyle/>
           <a:p>
             <a:r>
-              <a:rPr lang="ru-RU" dirty="0" smtClean="0"/>
+              <a:rPr lang="ru-RU" dirty="0"/>
               <a:t>Универсальный калькулятор </a:t>
             </a:r>
-            <a:endParaRPr lang="ru-RU" dirty="0"/>
           </a:p>
         </p:txBody>
       </p:sp>
@@ -3630,26 +3629,25 @@
           <a:lstStyle/>
           <a:p>
             <a:r>
-              <a:rPr lang="ru-RU" dirty="0" smtClean="0"/>
+              <a:rPr lang="ru-RU" dirty="0"/>
               <a:t>Проект подготовили ученики 9 им класса </a:t>
             </a:r>
           </a:p>
           <a:p>
             <a:r>
-              <a:rPr lang="ru-RU" dirty="0" smtClean="0"/>
+              <a:rPr lang="ru-RU" dirty="0"/>
               <a:t>Балахонский Дмитрий и</a:t>
             </a:r>
           </a:p>
           <a:p>
             <a:r>
-              <a:rPr lang="ru-RU" dirty="0" err="1" smtClean="0"/>
+              <a:rPr lang="ru-RU" dirty="0" err="1"/>
               <a:t>Космынин</a:t>
             </a:r>
             <a:r>
-              <a:rPr lang="ru-RU" dirty="0" smtClean="0"/>
+              <a:rPr lang="ru-RU" dirty="0"/>
               <a:t> Даниил</a:t>
             </a:r>
-            <a:endParaRPr lang="ru-RU" dirty="0"/>
           </a:p>
         </p:txBody>
       </p:sp>
@@ -3699,10 +3697,9 @@
           <a:lstStyle/>
           <a:p>
             <a:r>
-              <a:rPr lang="ru-RU" dirty="0" smtClean="0"/>
+              <a:rPr lang="ru-RU" dirty="0"/>
               <a:t>Актуальность</a:t>
             </a:r>
-            <a:endParaRPr lang="ru-RU" dirty="0"/>
           </a:p>
         </p:txBody>
       </p:sp>
@@ -3722,10 +3719,9 @@
           <a:lstStyle/>
           <a:p>
             <a:r>
-              <a:rPr lang="ru-RU" dirty="0" smtClean="0"/>
+              <a:rPr lang="ru-RU" dirty="0"/>
               <a:t>Актуальность нашего проекта состоит в том что на данный момент на просторах интернета нет калькуляторов способных считать в 36-ти системах исчисления</a:t>
             </a:r>
-            <a:endParaRPr lang="ru-RU" dirty="0"/>
           </a:p>
         </p:txBody>
       </p:sp>
@@ -3775,10 +3771,9 @@
           <a:lstStyle/>
           <a:p>
             <a:r>
-              <a:rPr lang="ru-RU" dirty="0" smtClean="0"/>
+              <a:rPr lang="ru-RU" dirty="0"/>
               <a:t>Цель</a:t>
             </a:r>
-            <a:endParaRPr lang="ru-RU" dirty="0"/>
           </a:p>
         </p:txBody>
       </p:sp>
@@ -3798,10 +3793,9 @@
           <a:lstStyle/>
           <a:p>
             <a:r>
-              <a:rPr lang="ru-RU" dirty="0" smtClean="0"/>
+              <a:rPr lang="ru-RU" dirty="0"/>
               <a:t>Разработать Калькулятор</a:t>
             </a:r>
-            <a:endParaRPr lang="ru-RU" dirty="0"/>
           </a:p>
         </p:txBody>
       </p:sp>
@@ -3851,10 +3845,9 @@
           <a:lstStyle/>
           <a:p>
             <a:r>
-              <a:rPr lang="ru-RU" dirty="0" smtClean="0"/>
+              <a:rPr lang="ru-RU" dirty="0"/>
               <a:t>Задача</a:t>
             </a:r>
-            <a:endParaRPr lang="ru-RU" dirty="0"/>
           </a:p>
         </p:txBody>
       </p:sp>
@@ -3874,7 +3867,7 @@
           <a:lstStyle/>
           <a:p>
             <a:r>
-              <a:rPr lang="ru-RU" dirty="0" smtClean="0"/>
+              <a:rPr lang="ru-RU" dirty="0"/>
               <a:t>Просмотреть данные по вопросу</a:t>
             </a:r>
           </a:p>
@@ -3901,7 +3894,7 @@
             </a:r>
           </a:p>
           <a:p>
-            <a:endParaRPr lang="ru-RU" dirty="0" smtClean="0"/>
+            <a:endParaRPr lang="ru-RU" dirty="0"/>
           </a:p>
           <a:p>
             <a:endParaRPr lang="ru-RU" dirty="0"/>
@@ -3954,10 +3947,9 @@
           <a:lstStyle/>
           <a:p>
             <a:r>
-              <a:rPr lang="ru-RU" dirty="0" smtClean="0"/>
+              <a:rPr lang="ru-RU" dirty="0"/>
               <a:t>Ход работы</a:t>
             </a:r>
-            <a:endParaRPr lang="ru-RU" dirty="0"/>
           </a:p>
         </p:txBody>
       </p:sp>
@@ -3977,26 +3969,25 @@
           <a:lstStyle/>
           <a:p>
             <a:r>
-              <a:rPr lang="ru-RU" dirty="0" smtClean="0"/>
+              <a:rPr lang="ru-RU" dirty="0"/>
               <a:t>Написали класс </a:t>
             </a:r>
             <a:r>
-              <a:rPr lang="en-US" dirty="0" smtClean="0"/>
+              <a:rPr lang="en-US" dirty="0"/>
               <a:t>SOCC</a:t>
             </a:r>
           </a:p>
           <a:p>
             <a:r>
-              <a:rPr lang="ru-RU" dirty="0" smtClean="0"/>
+              <a:rPr lang="ru-RU" dirty="0"/>
               <a:t>Создали дизайны</a:t>
             </a:r>
           </a:p>
           <a:p>
             <a:r>
-              <a:rPr lang="ru-RU" dirty="0" smtClean="0"/>
+              <a:rPr lang="ru-RU" dirty="0"/>
               <a:t>Написали сам калькулятор</a:t>
             </a:r>
-            <a:endParaRPr lang="ru-RU" dirty="0"/>
           </a:p>
         </p:txBody>
       </p:sp>
@@ -4067,18 +4058,18 @@
           <a:p>
             <a:pPr algn="ctr"/>
             <a:r>
-              <a:rPr lang="en-US" dirty="0" smtClean="0"/>
+              <a:rPr lang="en-US" dirty="0"/>
               <a:t>Calc.py</a:t>
             </a:r>
           </a:p>
           <a:p>
             <a:pPr algn="ctr"/>
             <a:r>
-              <a:rPr lang="en-US" dirty="0" smtClean="0"/>
+              <a:rPr lang="en-US" dirty="0"/>
               <a:t>(</a:t>
             </a:r>
             <a:r>
-              <a:rPr lang="ru-RU" dirty="0" smtClean="0"/>
+              <a:rPr lang="ru-RU" dirty="0"/>
               <a:t>Сам калькулятор)</a:t>
             </a:r>
           </a:p>
@@ -4121,8 +4112,8 @@
           <a:p>
             <a:pPr algn="ctr"/>
             <a:r>
-              <a:rPr lang="en-US" dirty="0" smtClean="0"/>
-              <a:t>COSS</a:t>
+              <a:rPr lang="en-US" dirty="0"/>
+              <a:t>SOCC</a:t>
             </a:r>
           </a:p>
         </p:txBody>
@@ -4164,7 +4155,7 @@
           <a:p>
             <a:pPr algn="ctr"/>
             <a:r>
-              <a:rPr lang="ru-RU" dirty="0" smtClean="0"/>
+              <a:rPr lang="ru-RU" dirty="0"/>
               <a:t>Конвектор масс </a:t>
             </a:r>
           </a:p>
@@ -4207,10 +4198,9 @@
           <a:p>
             <a:pPr algn="ctr"/>
             <a:r>
-              <a:rPr lang="ru-RU" dirty="0" smtClean="0"/>
+              <a:rPr lang="ru-RU" dirty="0"/>
               <a:t>Конвектор длины </a:t>
             </a:r>
-            <a:endParaRPr lang="ru-RU" dirty="0"/>
           </a:p>
         </p:txBody>
       </p:sp>
@@ -4251,7 +4241,7 @@
           <a:p>
             <a:pPr algn="ctr"/>
             <a:r>
-              <a:rPr lang="ru-RU" dirty="0" smtClean="0"/>
+              <a:rPr lang="ru-RU" dirty="0"/>
               <a:t>Конвектор скорости</a:t>
             </a:r>
           </a:p>
@@ -4294,7 +4284,7 @@
           <a:p>
             <a:pPr algn="ctr"/>
             <a:r>
-              <a:rPr lang="ru-RU" dirty="0" smtClean="0"/>
+              <a:rPr lang="ru-RU" dirty="0"/>
               <a:t>Конвектор Систем исчисления</a:t>
             </a:r>
           </a:p>
@@ -4562,10 +4552,9 @@
           <a:lstStyle/>
           <a:p>
             <a:r>
-              <a:rPr lang="ru-RU" dirty="0" smtClean="0"/>
+              <a:rPr lang="ru-RU" dirty="0"/>
               <a:t>Заключение</a:t>
             </a:r>
-            <a:endParaRPr lang="ru-RU" dirty="0"/>
           </a:p>
         </p:txBody>
       </p:sp>
@@ -4585,20 +4574,19 @@
           <a:lstStyle/>
           <a:p>
             <a:r>
-              <a:rPr lang="ru-RU" dirty="0" smtClean="0"/>
+              <a:rPr lang="ru-RU" dirty="0"/>
               <a:t>В результате работы мы разработали </a:t>
             </a:r>
             <a:r>
-              <a:rPr lang="ru-RU" dirty="0" smtClean="0">
+              <a:rPr lang="ru-RU" dirty="0">
                 <a:hlinkClick r:id="rId2" action="ppaction://hlinkfile"/>
               </a:rPr>
               <a:t>калькулятор</a:t>
             </a:r>
             <a:r>
-              <a:rPr lang="ru-RU" dirty="0" smtClean="0"/>
+              <a:rPr lang="ru-RU" dirty="0"/>
               <a:t> который сейчас продемонстрируем.</a:t>
             </a:r>
-            <a:endParaRPr lang="ru-RU" dirty="0"/>
           </a:p>
         </p:txBody>
       </p:sp>
